--- a/src/workflow_python.pptx
+++ b/src/workflow_python.pptx
@@ -197,7 +197,7 @@
           <a:p>
             <a:fld id="{ABD5118C-3A73-254E-8BF8-2DC38E31294C}" type="datetimeFigureOut">
               <a:rPr lang="en-US" smtClean="0"/>
-              <a:t>11/23/24</a:t>
+              <a:t>1/6/25</a:t>
             </a:fld>
             <a:endParaRPr lang="en-US"/>
           </a:p>
@@ -709,7 +709,7 @@
           <a:p>
             <a:fld id="{59D74381-C1AE-0E42-8847-19C856ED1B57}" type="datetimeFigureOut">
               <a:rPr lang="en-US" smtClean="0"/>
-              <a:t>11/23/24</a:t>
+              <a:t>1/6/25</a:t>
             </a:fld>
             <a:endParaRPr lang="en-US"/>
           </a:p>
@@ -879,7 +879,7 @@
           <a:p>
             <a:fld id="{59D74381-C1AE-0E42-8847-19C856ED1B57}" type="datetimeFigureOut">
               <a:rPr lang="en-US" smtClean="0"/>
-              <a:t>11/23/24</a:t>
+              <a:t>1/6/25</a:t>
             </a:fld>
             <a:endParaRPr lang="en-US"/>
           </a:p>
@@ -1059,7 +1059,7 @@
           <a:p>
             <a:fld id="{59D74381-C1AE-0E42-8847-19C856ED1B57}" type="datetimeFigureOut">
               <a:rPr lang="en-US" smtClean="0"/>
-              <a:t>11/23/24</a:t>
+              <a:t>1/6/25</a:t>
             </a:fld>
             <a:endParaRPr lang="en-US"/>
           </a:p>
@@ -1229,7 +1229,7 @@
           <a:p>
             <a:fld id="{59D74381-C1AE-0E42-8847-19C856ED1B57}" type="datetimeFigureOut">
               <a:rPr lang="en-US" smtClean="0"/>
-              <a:t>11/23/24</a:t>
+              <a:t>1/6/25</a:t>
             </a:fld>
             <a:endParaRPr lang="en-US"/>
           </a:p>
@@ -1475,7 +1475,7 @@
           <a:p>
             <a:fld id="{59D74381-C1AE-0E42-8847-19C856ED1B57}" type="datetimeFigureOut">
               <a:rPr lang="en-US" smtClean="0"/>
-              <a:t>11/23/24</a:t>
+              <a:t>1/6/25</a:t>
             </a:fld>
             <a:endParaRPr lang="en-US"/>
           </a:p>
@@ -1707,7 +1707,7 @@
           <a:p>
             <a:fld id="{59D74381-C1AE-0E42-8847-19C856ED1B57}" type="datetimeFigureOut">
               <a:rPr lang="en-US" smtClean="0"/>
-              <a:t>11/23/24</a:t>
+              <a:t>1/6/25</a:t>
             </a:fld>
             <a:endParaRPr lang="en-US"/>
           </a:p>
@@ -2074,7 +2074,7 @@
           <a:p>
             <a:fld id="{59D74381-C1AE-0E42-8847-19C856ED1B57}" type="datetimeFigureOut">
               <a:rPr lang="en-US" smtClean="0"/>
-              <a:t>11/23/24</a:t>
+              <a:t>1/6/25</a:t>
             </a:fld>
             <a:endParaRPr lang="en-US"/>
           </a:p>
@@ -2192,7 +2192,7 @@
           <a:p>
             <a:fld id="{59D74381-C1AE-0E42-8847-19C856ED1B57}" type="datetimeFigureOut">
               <a:rPr lang="en-US" smtClean="0"/>
-              <a:t>11/23/24</a:t>
+              <a:t>1/6/25</a:t>
             </a:fld>
             <a:endParaRPr lang="en-US"/>
           </a:p>
@@ -2287,7 +2287,7 @@
           <a:p>
             <a:fld id="{59D74381-C1AE-0E42-8847-19C856ED1B57}" type="datetimeFigureOut">
               <a:rPr lang="en-US" smtClean="0"/>
-              <a:t>11/23/24</a:t>
+              <a:t>1/6/25</a:t>
             </a:fld>
             <a:endParaRPr lang="en-US"/>
           </a:p>
@@ -2564,7 +2564,7 @@
           <a:p>
             <a:fld id="{59D74381-C1AE-0E42-8847-19C856ED1B57}" type="datetimeFigureOut">
               <a:rPr lang="en-US" smtClean="0"/>
-              <a:t>11/23/24</a:t>
+              <a:t>1/6/25</a:t>
             </a:fld>
             <a:endParaRPr lang="en-US"/>
           </a:p>
@@ -2821,7 +2821,7 @@
           <a:p>
             <a:fld id="{59D74381-C1AE-0E42-8847-19C856ED1B57}" type="datetimeFigureOut">
               <a:rPr lang="en-US" smtClean="0"/>
-              <a:t>11/23/24</a:t>
+              <a:t>1/6/25</a:t>
             </a:fld>
             <a:endParaRPr lang="en-US"/>
           </a:p>
@@ -3034,7 +3034,7 @@
           <a:p>
             <a:fld id="{59D74381-C1AE-0E42-8847-19C856ED1B57}" type="datetimeFigureOut">
               <a:rPr lang="en-US" smtClean="0"/>
-              <a:t>11/23/24</a:t>
+              <a:t>1/6/25</a:t>
             </a:fld>
             <a:endParaRPr lang="en-US"/>
           </a:p>
@@ -3833,7 +3833,7 @@
                   <a:srgbClr val="BA2121"/>
                 </a:solidFill>
               </a:rPr>
-              <a:t>”</a:t>
+              <a:t>"</a:t>
             </a:r>
             <a:r>
               <a:rPr lang="en-GB" dirty="0" err="1">
@@ -3879,7 +3879,7 @@
                   <a:srgbClr val="BA2121"/>
                 </a:solidFill>
               </a:rPr>
-              <a:t>”</a:t>
+              <a:t>"</a:t>
             </a:r>
             <a:r>
               <a:rPr lang="en-GB" dirty="0" err="1">
